--- a/Presentation_setup.pptx
+++ b/Presentation_setup.pptx
@@ -108,6 +108,11 @@
       </a:defRPr>
     </a:lvl9pPr>
   </p:defaultTextStyle>
+  <p:extLst>
+    <p:ext uri="{EFAFB233-063F-42B5-8137-9DF3F51BA10A}">
+      <p15:sldGuideLst xmlns:p15="http://schemas.microsoft.com/office/powerpoint/2012/main"/>
+    </p:ext>
+  </p:extLst>
 </p:presentation>
 </file>
 
@@ -116,7 +121,7 @@
   <pc:docChgLst>
     <pc:chgData name="Brian Kenney" userId="ceb593425a87c604" providerId="LiveId" clId="{7994475B-0C4F-460B-8062-87D1C12508B0}"/>
     <pc:docChg chg="undo custSel addSld modSld sldOrd modMainMaster">
-      <pc:chgData name="Brian Kenney" userId="ceb593425a87c604" providerId="LiveId" clId="{7994475B-0C4F-460B-8062-87D1C12508B0}" dt="2023-07-23T00:34:57.241" v="1865" actId="729"/>
+      <pc:chgData name="Brian Kenney" userId="ceb593425a87c604" providerId="LiveId" clId="{7994475B-0C4F-460B-8062-87D1C12508B0}" dt="2023-07-23T00:39:19.610" v="2001" actId="1076"/>
       <pc:docMkLst>
         <pc:docMk/>
       </pc:docMkLst>
@@ -206,7 +211,7 @@
         </pc:spChg>
       </pc:sldChg>
       <pc:sldChg chg="modSp new mod ord">
-        <pc:chgData name="Brian Kenney" userId="ceb593425a87c604" providerId="LiveId" clId="{7994475B-0C4F-460B-8062-87D1C12508B0}" dt="2023-07-23T00:34:09.353" v="1864" actId="20577"/>
+        <pc:chgData name="Brian Kenney" userId="ceb593425a87c604" providerId="LiveId" clId="{7994475B-0C4F-460B-8062-87D1C12508B0}" dt="2023-07-23T00:37:49.739" v="1877" actId="27636"/>
         <pc:sldMkLst>
           <pc:docMk/>
           <pc:sldMk cId="4285039367" sldId="259"/>
@@ -220,7 +225,7 @@
           </ac:spMkLst>
         </pc:spChg>
         <pc:spChg chg="mod">
-          <ac:chgData name="Brian Kenney" userId="ceb593425a87c604" providerId="LiveId" clId="{7994475B-0C4F-460B-8062-87D1C12508B0}" dt="2023-07-23T00:34:09.353" v="1864" actId="20577"/>
+          <ac:chgData name="Brian Kenney" userId="ceb593425a87c604" providerId="LiveId" clId="{7994475B-0C4F-460B-8062-87D1C12508B0}" dt="2023-07-23T00:37:49.739" v="1877" actId="27636"/>
           <ac:spMkLst>
             <pc:docMk/>
             <pc:sldMk cId="4285039367" sldId="259"/>
@@ -229,7 +234,7 @@
         </pc:spChg>
       </pc:sldChg>
       <pc:sldChg chg="addSp delSp modSp new mod">
-        <pc:chgData name="Brian Kenney" userId="ceb593425a87c604" providerId="LiveId" clId="{7994475B-0C4F-460B-8062-87D1C12508B0}" dt="2023-07-23T00:33:15.146" v="1846" actId="20577"/>
+        <pc:chgData name="Brian Kenney" userId="ceb593425a87c604" providerId="LiveId" clId="{7994475B-0C4F-460B-8062-87D1C12508B0}" dt="2023-07-23T00:39:19.610" v="2001" actId="1076"/>
         <pc:sldMkLst>
           <pc:docMk/>
           <pc:sldMk cId="4064022844" sldId="260"/>
@@ -251,7 +256,7 @@
           </ac:spMkLst>
         </pc:spChg>
         <pc:spChg chg="add mod">
-          <ac:chgData name="Brian Kenney" userId="ceb593425a87c604" providerId="LiveId" clId="{7994475B-0C4F-460B-8062-87D1C12508B0}" dt="2023-07-23T00:33:15.146" v="1846" actId="20577"/>
+          <ac:chgData name="Brian Kenney" userId="ceb593425a87c604" providerId="LiveId" clId="{7994475B-0C4F-460B-8062-87D1C12508B0}" dt="2023-07-23T00:39:19.610" v="2001" actId="1076"/>
           <ac:spMkLst>
             <pc:docMk/>
             <pc:sldMk cId="4064022844" sldId="260"/>
@@ -3740,7 +3745,7 @@
         <p:spPr/>
         <p:txBody>
           <a:bodyPr>
-            <a:normAutofit fontScale="92500" lnSpcReduction="20000"/>
+            <a:normAutofit fontScale="85000" lnSpcReduction="20000"/>
           </a:bodyPr>
           <a:lstStyle/>
           <a:p>
@@ -3807,7 +3812,48 @@
               <a:rPr lang="en-US" sz="1800" dirty="0">
                 <a:effectLst/>
               </a:rPr>
-              <a:t>Route Ranger shows users all the trails in the United States, and users can do the following:</a:t>
+              <a:t>Route Ranger shows users all the trails in the United States</a:t>
+            </a:r>
+            <a:endParaRPr lang="en-US" sz="1800" dirty="0"/>
+          </a:p>
+          <a:p>
+            <a:r>
+              <a:rPr lang="en-US" sz="1800" dirty="0"/>
+              <a:t>Simple and sleek design</a:t>
+            </a:r>
+            <a:endParaRPr lang="en-US" sz="1800" dirty="0">
+              <a:effectLst/>
+            </a:endParaRPr>
+          </a:p>
+          <a:p>
+            <a:pPr marL="0" indent="0">
+              <a:buNone/>
+            </a:pPr>
+            <a:endParaRPr lang="en-US" sz="1800" dirty="0"/>
+          </a:p>
+          <a:p>
+            <a:pPr marL="0" indent="0">
+              <a:buNone/>
+            </a:pPr>
+            <a:r>
+              <a:rPr lang="en-US" sz="1800" dirty="0">
+                <a:effectLst/>
+              </a:rPr>
+              <a:t>How will users interact with the app?</a:t>
+            </a:r>
+          </a:p>
+          <a:p>
+            <a:r>
+              <a:rPr lang="en-US" sz="1800" dirty="0"/>
+              <a:t>The database system is contributed by its users, each of who may add additional trails to the system. Every user can add trails such as description, latest status, trail condition, features, etc. </a:t>
+            </a:r>
+          </a:p>
+          <a:p>
+            <a:r>
+              <a:rPr lang="en-US" sz="1800" dirty="0">
+                <a:effectLst/>
+              </a:rPr>
+              <a:t>users can do the following:</a:t>
             </a:r>
           </a:p>
           <a:p>
@@ -3855,36 +3901,6 @@
             </a:r>
           </a:p>
           <a:p>
-            <a:r>
-              <a:rPr lang="en-US" sz="1800" dirty="0"/>
-              <a:t>Simple and sleek design</a:t>
-            </a:r>
-            <a:endParaRPr lang="en-US" sz="1800" dirty="0">
-              <a:effectLst/>
-            </a:endParaRPr>
-          </a:p>
-          <a:p>
-            <a:pPr marL="0" indent="0">
-              <a:buNone/>
-            </a:pPr>
-            <a:endParaRPr lang="en-US" sz="1800" dirty="0"/>
-          </a:p>
-          <a:p>
-            <a:pPr marL="0" indent="0">
-              <a:buNone/>
-            </a:pPr>
-            <a:r>
-              <a:rPr lang="en-US" sz="1800" dirty="0">
-                <a:effectLst/>
-              </a:rPr>
-              <a:t>How will users interact with the app?</a:t>
-            </a:r>
-          </a:p>
-          <a:p>
-            <a:r>
-              <a:rPr lang="en-US" sz="1800" dirty="0"/>
-              <a:t>The database system is contributed by its users, each of who may add additional trails to the system. Every user can add trails such as description, latest status, trail condition, features, etc. </a:t>
-            </a:r>
             <a:endParaRPr lang="en-US" sz="1800" dirty="0">
               <a:effectLst/>
             </a:endParaRPr>
@@ -4016,8 +4032,8 @@
         </p:nvSpPr>
         <p:spPr>
           <a:xfrm>
-            <a:off x="226032" y="1530850"/>
-            <a:ext cx="3801438" cy="5047216"/>
+            <a:off x="317472" y="1248218"/>
+            <a:ext cx="3801438" cy="5779659"/>
           </a:xfrm>
           <a:prstGeom prst="rect">
             <a:avLst/>
@@ -4042,7 +4058,64 @@
               </a:spcAft>
             </a:pPr>
             <a:r>
-              <a:rPr lang="en-US" sz="1800" kern="100" dirty="0">
+              <a:rPr lang="en-US" sz="1600" kern="100" dirty="0">
+                <a:effectLst/>
+                <a:latin typeface="Cambria" panose="02040503050406030204" pitchFamily="18" charset="0"/>
+                <a:ea typeface="Calibri" panose="020F0502020204030204" pitchFamily="34" charset="0"/>
+                <a:cs typeface="Times New Roman" panose="02020603050405020304" pitchFamily="18" charset="0"/>
+              </a:rPr>
+              <a:t>Using Python packages Streamlit</a:t>
+            </a:r>
+            <a:r>
+              <a:rPr lang="en-US" sz="1600" kern="100" dirty="0">
+                <a:latin typeface="Cambria" panose="02040503050406030204" pitchFamily="18" charset="0"/>
+                <a:ea typeface="Calibri" panose="020F0502020204030204" pitchFamily="34" charset="0"/>
+                <a:cs typeface="Times New Roman" panose="02020603050405020304" pitchFamily="18" charset="0"/>
+              </a:rPr>
+              <a:t>, </a:t>
+            </a:r>
+            <a:r>
+              <a:rPr lang="en-US" sz="1600" kern="100" dirty="0">
+                <a:effectLst/>
+                <a:latin typeface="Cambria" panose="02040503050406030204" pitchFamily="18" charset="0"/>
+                <a:ea typeface="Calibri" panose="020F0502020204030204" pitchFamily="34" charset="0"/>
+                <a:cs typeface="Times New Roman" panose="02020603050405020304" pitchFamily="18" charset="0"/>
+              </a:rPr>
+              <a:t>Sqlite3, PIL, and Pandas to create the deployable database system</a:t>
+            </a:r>
+          </a:p>
+          <a:p>
+            <a:pPr marL="0" marR="0">
+              <a:lnSpc>
+                <a:spcPct val="107000"/>
+              </a:lnSpc>
+              <a:spcBef>
+                <a:spcPts val="0"/>
+              </a:spcBef>
+              <a:spcAft>
+                <a:spcPts val="800"/>
+              </a:spcAft>
+            </a:pPr>
+            <a:endParaRPr lang="en-US" sz="1600" kern="100" dirty="0">
+              <a:latin typeface="Cambria" panose="02040503050406030204" pitchFamily="18" charset="0"/>
+              <a:ea typeface="Calibri" panose="020F0502020204030204" pitchFamily="34" charset="0"/>
+              <a:cs typeface="Times New Roman" panose="02020603050405020304" pitchFamily="18" charset="0"/>
+            </a:endParaRPr>
+          </a:p>
+          <a:p>
+            <a:pPr marL="0" marR="0">
+              <a:lnSpc>
+                <a:spcPct val="107000"/>
+              </a:lnSpc>
+              <a:spcBef>
+                <a:spcPts val="0"/>
+              </a:spcBef>
+              <a:spcAft>
+                <a:spcPts val="800"/>
+              </a:spcAft>
+            </a:pPr>
+            <a:r>
+              <a:rPr lang="en-US" sz="1600" kern="100" dirty="0">
                 <a:effectLst/>
                 <a:latin typeface="Cambria" panose="02040503050406030204" pitchFamily="18" charset="0"/>
                 <a:ea typeface="Calibri" panose="020F0502020204030204" pitchFamily="34" charset="0"/>
@@ -4066,7 +4139,7 @@
               <a:buChar char="•"/>
             </a:pPr>
             <a:r>
-              <a:rPr lang="en-US" sz="1800" kern="100" dirty="0">
+              <a:rPr lang="en-US" sz="1600" kern="100" dirty="0">
                 <a:effectLst/>
                 <a:latin typeface="Cambria" panose="02040503050406030204" pitchFamily="18" charset="0"/>
                 <a:ea typeface="Calibri" panose="020F0502020204030204" pitchFamily="34" charset="0"/>
@@ -4090,7 +4163,7 @@
               <a:buChar char="•"/>
             </a:pPr>
             <a:r>
-              <a:rPr lang="en-US" sz="1800" kern="100" dirty="0">
+              <a:rPr lang="en-US" sz="1600" kern="100" dirty="0">
                 <a:effectLst/>
                 <a:latin typeface="Cambria" panose="02040503050406030204" pitchFamily="18" charset="0"/>
                 <a:ea typeface="Calibri" panose="020F0502020204030204" pitchFamily="34" charset="0"/>
@@ -4113,7 +4186,7 @@
               <a:buFont typeface="Arial" panose="020B0604020202020204" pitchFamily="34" charset="0"/>
               <a:buChar char="•"/>
             </a:pPr>
-            <a:endParaRPr lang="en-US" kern="100" dirty="0">
+            <a:endParaRPr lang="en-US" sz="1600" kern="100" dirty="0">
               <a:latin typeface="Cambria" panose="02040503050406030204" pitchFamily="18" charset="0"/>
               <a:ea typeface="Calibri" panose="020F0502020204030204" pitchFamily="34" charset="0"/>
               <a:cs typeface="Times New Roman" panose="02020603050405020304" pitchFamily="18" charset="0"/>
@@ -4132,7 +4205,7 @@
               </a:spcAft>
             </a:pPr>
             <a:r>
-              <a:rPr lang="en-US" sz="1800" kern="100" dirty="0">
+              <a:rPr lang="en-US" sz="1600" kern="100" dirty="0">
                 <a:effectLst/>
                 <a:latin typeface="Cambria" panose="02040503050406030204" pitchFamily="18" charset="0"/>
                 <a:ea typeface="Calibri" panose="020F0502020204030204" pitchFamily="34" charset="0"/>
@@ -4156,7 +4229,7 @@
               <a:buChar char="•"/>
             </a:pPr>
             <a:r>
-              <a:rPr lang="en-US" kern="100" dirty="0">
+              <a:rPr lang="en-US" sz="1600" kern="100" dirty="0">
                 <a:latin typeface="Cambria" panose="02040503050406030204" pitchFamily="18" charset="0"/>
                 <a:ea typeface="Calibri" panose="020F0502020204030204" pitchFamily="34" charset="0"/>
                 <a:cs typeface="Times New Roman" panose="02020603050405020304" pitchFamily="18" charset="0"/>
@@ -4179,7 +4252,7 @@
               <a:buChar char="•"/>
             </a:pPr>
             <a:r>
-              <a:rPr lang="en-US" sz="1800" kern="100" dirty="0">
+              <a:rPr lang="en-US" sz="1600" kern="100" dirty="0">
                 <a:effectLst/>
                 <a:latin typeface="Cambria" panose="02040503050406030204" pitchFamily="18" charset="0"/>
                 <a:ea typeface="Calibri" panose="020F0502020204030204" pitchFamily="34" charset="0"/>
@@ -4203,14 +4276,14 @@
               <a:buChar char="•"/>
             </a:pPr>
             <a:r>
-              <a:rPr lang="en-US" kern="100" dirty="0">
+              <a:rPr lang="en-US" sz="1600" kern="100" dirty="0">
                 <a:latin typeface="Cambria" panose="02040503050406030204" pitchFamily="18" charset="0"/>
                 <a:ea typeface="Calibri" panose="020F0502020204030204" pitchFamily="34" charset="0"/>
                 <a:cs typeface="Times New Roman" panose="02020603050405020304" pitchFamily="18" charset="0"/>
               </a:rPr>
               <a:t>Unique</a:t>
             </a:r>
-            <a:endParaRPr lang="en-US" sz="1800" kern="100" dirty="0">
+            <a:endParaRPr lang="en-US" sz="1600" kern="100" dirty="0">
               <a:effectLst/>
               <a:latin typeface="Cambria" panose="02040503050406030204" pitchFamily="18" charset="0"/>
               <a:ea typeface="Calibri" panose="020F0502020204030204" pitchFamily="34" charset="0"/>
@@ -4232,7 +4305,7 @@
               <a:buChar char="•"/>
             </a:pPr>
             <a:r>
-              <a:rPr lang="en-US" sz="1800" kern="100" dirty="0">
+              <a:rPr lang="en-US" sz="1600" kern="100" dirty="0">
                 <a:effectLst/>
                 <a:latin typeface="Cambria" panose="02040503050406030204" pitchFamily="18" charset="0"/>
                 <a:ea typeface="Calibri" panose="020F0502020204030204" pitchFamily="34" charset="0"/>
@@ -4241,14 +4314,14 @@
               <a:t>Views </a:t>
             </a:r>
             <a:r>
-              <a:rPr lang="en-US" kern="100" dirty="0">
+              <a:rPr lang="en-US" sz="1600" kern="100" dirty="0">
                 <a:latin typeface="Cambria" panose="02040503050406030204" pitchFamily="18" charset="0"/>
                 <a:ea typeface="Calibri" panose="020F0502020204030204" pitchFamily="34" charset="0"/>
                 <a:cs typeface="Times New Roman" panose="02020603050405020304" pitchFamily="18" charset="0"/>
               </a:rPr>
               <a:t>(units needed)</a:t>
             </a:r>
-            <a:endParaRPr lang="en-US" sz="1800" kern="100" dirty="0">
+            <a:endParaRPr lang="en-US" sz="1600" kern="100" dirty="0">
               <a:effectLst/>
               <a:latin typeface="Calibri" panose="020F0502020204030204" pitchFamily="34" charset="0"/>
               <a:ea typeface="Calibri" panose="020F0502020204030204" pitchFamily="34" charset="0"/>

--- a/Presentation_setup.pptx
+++ b/Presentation_setup.pptx
@@ -121,7 +121,7 @@
   <pc:docChgLst>
     <pc:chgData name="Brian Kenney" userId="ceb593425a87c604" providerId="LiveId" clId="{7994475B-0C4F-460B-8062-87D1C12508B0}"/>
     <pc:docChg chg="undo custSel addSld modSld sldOrd modMainMaster">
-      <pc:chgData name="Brian Kenney" userId="ceb593425a87c604" providerId="LiveId" clId="{7994475B-0C4F-460B-8062-87D1C12508B0}" dt="2023-07-23T00:39:19.610" v="2001" actId="1076"/>
+      <pc:chgData name="Brian Kenney" userId="ceb593425a87c604" providerId="LiveId" clId="{7994475B-0C4F-460B-8062-87D1C12508B0}" dt="2023-07-23T00:44:01.231" v="2003" actId="20577"/>
       <pc:docMkLst>
         <pc:docMk/>
       </pc:docMkLst>
@@ -211,7 +211,7 @@
         </pc:spChg>
       </pc:sldChg>
       <pc:sldChg chg="modSp new mod ord">
-        <pc:chgData name="Brian Kenney" userId="ceb593425a87c604" providerId="LiveId" clId="{7994475B-0C4F-460B-8062-87D1C12508B0}" dt="2023-07-23T00:37:49.739" v="1877" actId="27636"/>
+        <pc:chgData name="Brian Kenney" userId="ceb593425a87c604" providerId="LiveId" clId="{7994475B-0C4F-460B-8062-87D1C12508B0}" dt="2023-07-23T00:44:01.231" v="2003" actId="20577"/>
         <pc:sldMkLst>
           <pc:docMk/>
           <pc:sldMk cId="4285039367" sldId="259"/>
@@ -225,7 +225,7 @@
           </ac:spMkLst>
         </pc:spChg>
         <pc:spChg chg="mod">
-          <ac:chgData name="Brian Kenney" userId="ceb593425a87c604" providerId="LiveId" clId="{7994475B-0C4F-460B-8062-87D1C12508B0}" dt="2023-07-23T00:37:49.739" v="1877" actId="27636"/>
+          <ac:chgData name="Brian Kenney" userId="ceb593425a87c604" providerId="LiveId" clId="{7994475B-0C4F-460B-8062-87D1C12508B0}" dt="2023-07-23T00:44:01.231" v="2003" actId="20577"/>
           <ac:spMkLst>
             <pc:docMk/>
             <pc:sldMk cId="4285039367" sldId="259"/>
@@ -3850,10 +3850,14 @@
           </a:p>
           <a:p>
             <a:r>
+              <a:rPr lang="en-US" sz="1800" dirty="0"/>
+              <a:t>U</a:t>
+            </a:r>
+            <a:r>
               <a:rPr lang="en-US" sz="1800" dirty="0">
                 <a:effectLst/>
               </a:rPr>
-              <a:t>users can do the following:</a:t>
+              <a:t>sers can do the following:</a:t>
             </a:r>
           </a:p>
           <a:p>

--- a/Presentation_setup.pptx
+++ b/Presentation_setup.pptx
@@ -8,8 +8,6 @@
     <p:sldId id="256" r:id="rId2"/>
     <p:sldId id="259" r:id="rId3"/>
     <p:sldId id="260" r:id="rId4"/>
-    <p:sldId id="257" r:id="rId5"/>
-    <p:sldId id="258" r:id="rId6"/>
   </p:sldIdLst>
   <p:sldSz cx="12192000" cy="6858000"/>
   <p:notesSz cx="6858000" cy="9144000"/>
@@ -120,13 +118,13 @@
 <pc:chgInfo xmlns:a="http://schemas.openxmlformats.org/drawingml/2006/main" xmlns:r="http://schemas.openxmlformats.org/officeDocument/2006/relationships" xmlns:ac="http://schemas.microsoft.com/office/drawing/2013/main/command" xmlns:pc="http://schemas.microsoft.com/office/powerpoint/2013/main/command">
   <pc:docChgLst>
     <pc:chgData name="Brian Kenney" userId="ceb593425a87c604" providerId="LiveId" clId="{7994475B-0C4F-460B-8062-87D1C12508B0}"/>
-    <pc:docChg chg="undo custSel addSld modSld sldOrd modMainMaster">
-      <pc:chgData name="Brian Kenney" userId="ceb593425a87c604" providerId="LiveId" clId="{7994475B-0C4F-460B-8062-87D1C12508B0}" dt="2023-07-23T00:44:01.231" v="2003" actId="20577"/>
+    <pc:docChg chg="undo custSel addSld delSld modSld sldOrd modMainMaster">
+      <pc:chgData name="Brian Kenney" userId="ceb593425a87c604" providerId="LiveId" clId="{7994475B-0C4F-460B-8062-87D1C12508B0}" dt="2023-07-23T05:24:13.295" v="2171" actId="2696"/>
       <pc:docMkLst>
         <pc:docMk/>
       </pc:docMkLst>
       <pc:sldChg chg="addSp delSp modSp mod setBg">
-        <pc:chgData name="Brian Kenney" userId="ceb593425a87c604" providerId="LiveId" clId="{7994475B-0C4F-460B-8062-87D1C12508B0}" dt="2023-07-23T00:22:26.402" v="1404"/>
+        <pc:chgData name="Brian Kenney" userId="ceb593425a87c604" providerId="LiveId" clId="{7994475B-0C4F-460B-8062-87D1C12508B0}" dt="2023-07-23T04:15:22.122" v="2169" actId="27636"/>
         <pc:sldMkLst>
           <pc:docMk/>
           <pc:sldMk cId="1204904477" sldId="256"/>
@@ -140,7 +138,7 @@
           </ac:spMkLst>
         </pc:spChg>
         <pc:spChg chg="mod">
-          <ac:chgData name="Brian Kenney" userId="ceb593425a87c604" providerId="LiveId" clId="{7994475B-0C4F-460B-8062-87D1C12508B0}" dt="2023-07-23T00:10:56.362" v="339" actId="313"/>
+          <ac:chgData name="Brian Kenney" userId="ceb593425a87c604" providerId="LiveId" clId="{7994475B-0C4F-460B-8062-87D1C12508B0}" dt="2023-07-23T04:15:22.122" v="2169" actId="27636"/>
           <ac:spMkLst>
             <pc:docMk/>
             <pc:sldMk cId="1204904477" sldId="256"/>
@@ -156,8 +154,8 @@
           </ac:picMkLst>
         </pc:picChg>
       </pc:sldChg>
-      <pc:sldChg chg="modSp new mod modShow">
-        <pc:chgData name="Brian Kenney" userId="ceb593425a87c604" providerId="LiveId" clId="{7994475B-0C4F-460B-8062-87D1C12508B0}" dt="2023-07-23T00:34:57.241" v="1865" actId="729"/>
+      <pc:sldChg chg="modSp new del mod modShow">
+        <pc:chgData name="Brian Kenney" userId="ceb593425a87c604" providerId="LiveId" clId="{7994475B-0C4F-460B-8062-87D1C12508B0}" dt="2023-07-23T05:24:10.471" v="2170" actId="2696"/>
         <pc:sldMkLst>
           <pc:docMk/>
           <pc:sldMk cId="2389428392" sldId="257"/>
@@ -171,8 +169,8 @@
           </ac:spMkLst>
         </pc:spChg>
       </pc:sldChg>
-      <pc:sldChg chg="addSp delSp modSp new mod modShow">
-        <pc:chgData name="Brian Kenney" userId="ceb593425a87c604" providerId="LiveId" clId="{7994475B-0C4F-460B-8062-87D1C12508B0}" dt="2023-07-23T00:11:30.062" v="365" actId="729"/>
+      <pc:sldChg chg="addSp delSp modSp new del mod modShow">
+        <pc:chgData name="Brian Kenney" userId="ceb593425a87c604" providerId="LiveId" clId="{7994475B-0C4F-460B-8062-87D1C12508B0}" dt="2023-07-23T05:24:13.295" v="2171" actId="2696"/>
         <pc:sldMkLst>
           <pc:docMk/>
           <pc:sldMk cId="4207716931" sldId="258"/>
@@ -3649,9 +3647,16 @@
             <p:ph type="subTitle" idx="1"/>
           </p:nvPr>
         </p:nvSpPr>
-        <p:spPr/>
-        <p:txBody>
-          <a:bodyPr/>
+        <p:spPr>
+          <a:xfrm>
+            <a:off x="1524000" y="3602037"/>
+            <a:ext cx="9144000" cy="2387599"/>
+          </a:xfrm>
+        </p:spPr>
+        <p:txBody>
+          <a:bodyPr>
+            <a:normAutofit fontScale="85000" lnSpcReduction="20000"/>
+          </a:bodyPr>
           <a:lstStyle/>
           <a:p>
             <a:r>
@@ -3662,8 +3667,42 @@
           <a:p>
             <a:r>
               <a:rPr lang="en-US" dirty="0"/>
-              <a:t>Brian Kenney &amp; Julia Nguyen</a:t>
-            </a:r>
+              <a:t>Brian Kenney &amp; </a:t>
+            </a:r>
+            <a:r>
+              <a:rPr lang="en-US"/>
+              <a:t>Julia Nguyen</a:t>
+            </a:r>
+          </a:p>
+          <a:p>
+            <a:endParaRPr lang="en-US" dirty="0"/>
+          </a:p>
+          <a:p>
+            <a:r>
+              <a:rPr lang="en-US" dirty="0"/>
+              <a:t>Indiana University Bloomington</a:t>
+            </a:r>
+          </a:p>
+          <a:p>
+            <a:r>
+              <a:rPr lang="en-US" dirty="0"/>
+              <a:t>Luddy School of Informatics, Computing, and Engineering</a:t>
+            </a:r>
+          </a:p>
+          <a:p>
+            <a:r>
+              <a:rPr lang="en-US" dirty="0"/>
+              <a:t>Summer 2023</a:t>
+            </a:r>
+          </a:p>
+          <a:p>
+            <a:r>
+              <a:rPr lang="en-US" dirty="0"/>
+              <a:t>D532: Applied Database Technologies </a:t>
+            </a:r>
+          </a:p>
+          <a:p>
+            <a:endParaRPr lang="en-US" dirty="0"/>
           </a:p>
         </p:txBody>
       </p:sp>
@@ -4338,445 +4377,6 @@
     <p:extLst>
       <p:ext uri="{BB962C8B-B14F-4D97-AF65-F5344CB8AC3E}">
         <p14:creationId xmlns:p14="http://schemas.microsoft.com/office/powerpoint/2010/main" val="4064022844"/>
-      </p:ext>
-    </p:extLst>
-  </p:cSld>
-  <p:clrMapOvr>
-    <a:masterClrMapping/>
-  </p:clrMapOvr>
-</p:sld>
-</file>
-
-<file path=ppt/slides/slide4.xml><?xml version="1.0" encoding="utf-8"?>
-<p:sld xmlns:a="http://schemas.openxmlformats.org/drawingml/2006/main" xmlns:r="http://schemas.openxmlformats.org/officeDocument/2006/relationships" xmlns:p="http://schemas.openxmlformats.org/presentationml/2006/main" show="0">
-  <p:cSld>
-    <p:spTree>
-      <p:nvGrpSpPr>
-        <p:cNvPr id="1" name=""/>
-        <p:cNvGrpSpPr/>
-        <p:nvPr/>
-      </p:nvGrpSpPr>
-      <p:grpSpPr>
-        <a:xfrm>
-          <a:off x="0" y="0"/>
-          <a:ext cx="0" cy="0"/>
-          <a:chOff x="0" y="0"/>
-          <a:chExt cx="0" cy="0"/>
-        </a:xfrm>
-      </p:grpSpPr>
-      <p:sp>
-        <p:nvSpPr>
-          <p:cNvPr id="2" name="Title 1">
-            <a:extLst>
-              <a:ext uri="{FF2B5EF4-FFF2-40B4-BE49-F238E27FC236}">
-                <a16:creationId xmlns:a16="http://schemas.microsoft.com/office/drawing/2014/main" id="{8F5E48E3-EB5F-DCF4-F237-A5F379937DF9}"/>
-              </a:ext>
-            </a:extLst>
-          </p:cNvPr>
-          <p:cNvSpPr>
-            <a:spLocks noGrp="1"/>
-          </p:cNvSpPr>
-          <p:nvPr>
-            <p:ph type="title"/>
-          </p:nvPr>
-        </p:nvSpPr>
-        <p:spPr/>
-        <p:txBody>
-          <a:bodyPr/>
-          <a:lstStyle/>
-          <a:p>
-            <a:endParaRPr lang="en-US" dirty="0"/>
-          </a:p>
-        </p:txBody>
-      </p:sp>
-      <p:sp>
-        <p:nvSpPr>
-          <p:cNvPr id="3" name="Content Placeholder 2">
-            <a:extLst>
-              <a:ext uri="{FF2B5EF4-FFF2-40B4-BE49-F238E27FC236}">
-                <a16:creationId xmlns:a16="http://schemas.microsoft.com/office/drawing/2014/main" id="{7DB1B8B0-F0E5-7CC1-232A-A972497E0C75}"/>
-              </a:ext>
-            </a:extLst>
-          </p:cNvPr>
-          <p:cNvSpPr>
-            <a:spLocks noGrp="1"/>
-          </p:cNvSpPr>
-          <p:nvPr>
-            <p:ph idx="1"/>
-          </p:nvPr>
-        </p:nvSpPr>
-        <p:spPr/>
-        <p:txBody>
-          <a:bodyPr/>
-          <a:lstStyle/>
-          <a:p>
-            <a:r>
-              <a:rPr lang="en-US" b="1" dirty="0">
-                <a:solidFill>
-                  <a:srgbClr val="052009"/>
-                </a:solidFill>
-                <a:effectLst/>
-              </a:rPr>
-              <a:t>Grading Criteria</a:t>
-            </a:r>
-            <a:endParaRPr lang="en-US" b="1" dirty="0"/>
-          </a:p>
-          <a:p>
-            <a:pPr>
-              <a:buFont typeface="+mj-lt"/>
-              <a:buAutoNum type="arabicPeriod"/>
-            </a:pPr>
-            <a:r>
-              <a:rPr lang="en-US" sz="1400" dirty="0">
-                <a:effectLst/>
-              </a:rPr>
-              <a:t>Scope of your app (your goals):  20pts</a:t>
-            </a:r>
-            <a:endParaRPr lang="en-US" dirty="0"/>
-          </a:p>
-          <a:p>
-            <a:pPr>
-              <a:buFont typeface="+mj-lt"/>
-              <a:buAutoNum type="arabicPeriod"/>
-            </a:pPr>
-            <a:r>
-              <a:rPr lang="en-US" sz="1400" dirty="0">
-                <a:effectLst/>
-              </a:rPr>
-              <a:t>Content: it is up to your team to decide how to demo your app: 50pts</a:t>
-            </a:r>
-            <a:r>
-              <a:rPr lang="en-US" dirty="0"/>
-              <a:t> </a:t>
-            </a:r>
-          </a:p>
-          <a:p>
-            <a:pPr marL="742950" lvl="1" indent="-285750">
-              <a:buFont typeface="+mj-lt"/>
-              <a:buAutoNum type="arabicPeriod"/>
-            </a:pPr>
-            <a:r>
-              <a:rPr lang="en-US" sz="1400" dirty="0">
-                <a:effectLst/>
-              </a:rPr>
-              <a:t>Explain how your app works and show samples of its functionalities</a:t>
-            </a:r>
-            <a:endParaRPr lang="en-US" dirty="0"/>
-          </a:p>
-          <a:p>
-            <a:pPr>
-              <a:buFont typeface="+mj-lt"/>
-              <a:buAutoNum type="arabicPeriod"/>
-            </a:pPr>
-            <a:r>
-              <a:rPr lang="en-US" sz="1400" dirty="0">
-                <a:effectLst/>
-              </a:rPr>
-              <a:t>Presentation  20 pts</a:t>
-            </a:r>
-            <a:r>
-              <a:rPr lang="en-US" dirty="0"/>
-              <a:t> </a:t>
-            </a:r>
-          </a:p>
-          <a:p>
-            <a:pPr marL="742950" lvl="1" indent="-285750">
-              <a:buFont typeface="+mj-lt"/>
-              <a:buAutoNum type="arabicPeriod"/>
-            </a:pPr>
-            <a:r>
-              <a:rPr lang="en-US" sz="1400" dirty="0">
-                <a:effectLst/>
-              </a:rPr>
-              <a:t>clear content, good flow, and easy-to-follow explanations, </a:t>
-            </a:r>
-            <a:endParaRPr lang="en-US" dirty="0"/>
-          </a:p>
-          <a:p>
-            <a:pPr marL="742950" lvl="1" indent="-285750">
-              <a:buFont typeface="+mj-lt"/>
-              <a:buAutoNum type="arabicPeriod"/>
-            </a:pPr>
-            <a:r>
-              <a:rPr lang="en-US" sz="1400" dirty="0">
-                <a:effectLst/>
-              </a:rPr>
-              <a:t>we suggest having at least a couple of slides for the project scope and a title slide with all team members listed</a:t>
-            </a:r>
-            <a:endParaRPr lang="en-US" dirty="0"/>
-          </a:p>
-          <a:p>
-            <a:pPr marL="742950" lvl="1" indent="-285750">
-              <a:buFont typeface="+mj-lt"/>
-              <a:buAutoNum type="arabicPeriod"/>
-            </a:pPr>
-            <a:r>
-              <a:rPr lang="en-US" sz="1400" dirty="0">
-                <a:effectLst/>
-              </a:rPr>
-              <a:t>The demo can be done by one person on behalf of the team or all team can participate</a:t>
-            </a:r>
-            <a:endParaRPr lang="en-US" dirty="0"/>
-          </a:p>
-          <a:p>
-            <a:pPr>
-              <a:buFont typeface="+mj-lt"/>
-              <a:buAutoNum type="arabicPeriod"/>
-            </a:pPr>
-            <a:r>
-              <a:rPr lang="en-US" sz="1400" dirty="0">
-                <a:effectLst/>
-              </a:rPr>
-              <a:t>Timeliness 10pts - Make sure your app is no longer than 5 min and no shorter than 4 minutes</a:t>
-            </a:r>
-            <a:endParaRPr lang="en-US" dirty="0"/>
-          </a:p>
-          <a:p>
-            <a:endParaRPr lang="en-US" dirty="0"/>
-          </a:p>
-        </p:txBody>
-      </p:sp>
-    </p:spTree>
-    <p:extLst>
-      <p:ext uri="{BB962C8B-B14F-4D97-AF65-F5344CB8AC3E}">
-        <p14:creationId xmlns:p14="http://schemas.microsoft.com/office/powerpoint/2010/main" val="2389428392"/>
-      </p:ext>
-    </p:extLst>
-  </p:cSld>
-  <p:clrMapOvr>
-    <a:masterClrMapping/>
-  </p:clrMapOvr>
-</p:sld>
-</file>
-
-<file path=ppt/slides/slide5.xml><?xml version="1.0" encoding="utf-8"?>
-<p:sld xmlns:a="http://schemas.openxmlformats.org/drawingml/2006/main" xmlns:r="http://schemas.openxmlformats.org/officeDocument/2006/relationships" xmlns:p="http://schemas.openxmlformats.org/presentationml/2006/main" show="0">
-  <p:cSld>
-    <p:spTree>
-      <p:nvGrpSpPr>
-        <p:cNvPr id="1" name=""/>
-        <p:cNvGrpSpPr/>
-        <p:nvPr/>
-      </p:nvGrpSpPr>
-      <p:grpSpPr>
-        <a:xfrm>
-          <a:off x="0" y="0"/>
-          <a:ext cx="0" cy="0"/>
-          <a:chOff x="0" y="0"/>
-          <a:chExt cx="0" cy="0"/>
-        </a:xfrm>
-      </p:grpSpPr>
-      <p:sp>
-        <p:nvSpPr>
-          <p:cNvPr id="2" name="Title 1">
-            <a:extLst>
-              <a:ext uri="{FF2B5EF4-FFF2-40B4-BE49-F238E27FC236}">
-                <a16:creationId xmlns:a16="http://schemas.microsoft.com/office/drawing/2014/main" id="{34F5D66F-93CC-F3C5-59BA-D9590F0550E7}"/>
-              </a:ext>
-            </a:extLst>
-          </p:cNvPr>
-          <p:cNvSpPr>
-            <a:spLocks noGrp="1"/>
-          </p:cNvSpPr>
-          <p:nvPr>
-            <p:ph type="title"/>
-          </p:nvPr>
-        </p:nvSpPr>
-        <p:spPr/>
-        <p:txBody>
-          <a:bodyPr/>
-          <a:lstStyle/>
-          <a:p>
-            <a:r>
-              <a:rPr lang="en-US" dirty="0"/>
-              <a:t>Video Create and Upload</a:t>
-            </a:r>
-          </a:p>
-        </p:txBody>
-      </p:sp>
-      <p:sp>
-        <p:nvSpPr>
-          <p:cNvPr id="3" name="Content Placeholder 2">
-            <a:extLst>
-              <a:ext uri="{FF2B5EF4-FFF2-40B4-BE49-F238E27FC236}">
-                <a16:creationId xmlns:a16="http://schemas.microsoft.com/office/drawing/2014/main" id="{A1216616-A1D7-068C-DDD5-CB0701C0DE43}"/>
-              </a:ext>
-            </a:extLst>
-          </p:cNvPr>
-          <p:cNvSpPr>
-            <a:spLocks noGrp="1"/>
-          </p:cNvSpPr>
-          <p:nvPr>
-            <p:ph idx="1"/>
-          </p:nvPr>
-        </p:nvSpPr>
-        <p:spPr/>
-        <p:txBody>
-          <a:bodyPr>
-            <a:normAutofit fontScale="25000" lnSpcReduction="20000"/>
-          </a:bodyPr>
-          <a:lstStyle/>
-          <a:p>
-            <a:r>
-              <a:rPr lang="en-US" dirty="0"/>
-              <a:t>Option 1: Zoom Recording</a:t>
-            </a:r>
-          </a:p>
-          <a:p>
-            <a:endParaRPr lang="en-US" dirty="0"/>
-          </a:p>
-          <a:p>
-            <a:r>
-              <a:rPr lang="en-US" dirty="0"/>
-              <a:t>Step 1. Start Zoom (zoom.iu.edu)</a:t>
-            </a:r>
-          </a:p>
-          <a:p>
-            <a:endParaRPr lang="en-US" dirty="0"/>
-          </a:p>
-          <a:p>
-            <a:r>
-              <a:rPr lang="en-US" dirty="0"/>
-              <a:t>Step 2. Share screen via Zoom to record the presentation slides and audio (Handout Instructions). </a:t>
-            </a:r>
-          </a:p>
-          <a:p>
-            <a:endParaRPr lang="en-US" dirty="0"/>
-          </a:p>
-          <a:p>
-            <a:r>
-              <a:rPr lang="en-US" dirty="0"/>
-              <a:t>Step 3. Save it to </a:t>
-            </a:r>
-            <a:r>
-              <a:rPr lang="en-US" dirty="0" err="1"/>
-              <a:t>kaltura</a:t>
-            </a:r>
-            <a:r>
-              <a:rPr lang="en-US" dirty="0"/>
-              <a:t> </a:t>
-            </a:r>
-            <a:r>
-              <a:rPr lang="en-US" dirty="0" err="1"/>
-              <a:t>iu</a:t>
-            </a:r>
-            <a:r>
-              <a:rPr lang="en-US" dirty="0"/>
-              <a:t> cloud  or save to your local drive</a:t>
-            </a:r>
-          </a:p>
-          <a:p>
-            <a:endParaRPr lang="en-US" dirty="0"/>
-          </a:p>
-          <a:p>
-            <a:r>
-              <a:rPr lang="en-US" dirty="0"/>
-              <a:t>    If saved to </a:t>
-            </a:r>
-            <a:r>
-              <a:rPr lang="en-US" dirty="0" err="1"/>
-              <a:t>kaltura</a:t>
-            </a:r>
-            <a:endParaRPr lang="en-US" dirty="0"/>
-          </a:p>
-          <a:p>
-            <a:r>
-              <a:rPr lang="en-US" dirty="0"/>
-              <a:t>        Log in to </a:t>
-            </a:r>
-            <a:r>
-              <a:rPr lang="en-US" dirty="0" err="1"/>
-              <a:t>kaltura.iu</a:t>
-            </a:r>
-            <a:r>
-              <a:rPr lang="en-US" dirty="0"/>
-              <a:t> and go to My Media</a:t>
-            </a:r>
-          </a:p>
-          <a:p>
-            <a:r>
-              <a:rPr lang="en-US" dirty="0"/>
-              <a:t>        Select the video &gt; click Actions &gt; Publish &gt; Select Unlisted or Published (Fig 1)</a:t>
-            </a:r>
-          </a:p>
-          <a:p>
-            <a:r>
-              <a:rPr lang="en-US" dirty="0"/>
-              <a:t>        Select Share &gt; Link to Media Page &gt; copy the URL link</a:t>
-            </a:r>
-          </a:p>
-          <a:p>
-            <a:endParaRPr lang="en-US" dirty="0"/>
-          </a:p>
-          <a:p>
-            <a:r>
-              <a:rPr lang="en-US" dirty="0"/>
-              <a:t>Figure 1. Select Actions &gt; Publish &gt; Unlisted</a:t>
-            </a:r>
-          </a:p>
-          <a:p>
-            <a:endParaRPr lang="en-US" dirty="0"/>
-          </a:p>
-          <a:p>
-            <a:r>
-              <a:rPr lang="en-US" dirty="0"/>
-              <a:t>Screen Shot 2020-03-08 at 11.37.13 PM.png</a:t>
-            </a:r>
-          </a:p>
-          <a:p>
-            <a:endParaRPr lang="en-US" dirty="0"/>
-          </a:p>
-          <a:p>
-            <a:r>
-              <a:rPr lang="en-US" dirty="0"/>
-              <a:t> </a:t>
-            </a:r>
-          </a:p>
-          <a:p>
-            <a:endParaRPr lang="en-US" dirty="0"/>
-          </a:p>
-          <a:p>
-            <a:r>
-              <a:rPr lang="en-US" dirty="0"/>
-              <a:t>    Your Zoom recording is also saved in Zoom. You can download your video from the Recordings section (Zoom Video recordings are kept for ~120 days)</a:t>
-            </a:r>
-          </a:p>
-          <a:p>
-            <a:r>
-              <a:rPr lang="en-US" dirty="0"/>
-              <a:t>        Download mp4 file (zoom recordings provide audio mp3 only and </a:t>
-            </a:r>
-            <a:r>
-              <a:rPr lang="en-US" dirty="0" err="1"/>
-              <a:t>video+audio</a:t>
-            </a:r>
-            <a:r>
-              <a:rPr lang="en-US" dirty="0"/>
-              <a:t> mp4). Then you can upload it to </a:t>
-            </a:r>
-            <a:r>
-              <a:rPr lang="en-US" dirty="0" err="1"/>
-              <a:t>youtube</a:t>
-            </a:r>
-            <a:r>
-              <a:rPr lang="en-US" dirty="0"/>
-              <a:t> or </a:t>
-            </a:r>
-            <a:r>
-              <a:rPr lang="en-US" dirty="0" err="1"/>
-              <a:t>kaltura</a:t>
-            </a:r>
-            <a:endParaRPr lang="en-US" dirty="0"/>
-          </a:p>
-          <a:p>
-            <a:endParaRPr lang="en-US" dirty="0"/>
-          </a:p>
-        </p:txBody>
-      </p:sp>
-    </p:spTree>
-    <p:extLst>
-      <p:ext uri="{BB962C8B-B14F-4D97-AF65-F5344CB8AC3E}">
-        <p14:creationId xmlns:p14="http://schemas.microsoft.com/office/powerpoint/2010/main" val="4207716931"/>
       </p:ext>
     </p:extLst>
   </p:cSld>
